--- a/hackathonslides.pptx
+++ b/hackathonslides.pptx
@@ -5,16 +5,17 @@
     <p:sldMasterId id="2147483648" r:id="rId4"/>
   </p:sldMasterIdLst>
   <p:notesMasterIdLst>
-    <p:notesMasterId r:id="rId9"/>
+    <p:notesMasterId r:id="rId10"/>
   </p:notesMasterIdLst>
   <p:handoutMasterIdLst>
-    <p:handoutMasterId r:id="rId10"/>
+    <p:handoutMasterId r:id="rId11"/>
   </p:handoutMasterIdLst>
   <p:sldIdLst>
     <p:sldId id="272" r:id="rId5"/>
     <p:sldId id="259" r:id="rId6"/>
     <p:sldId id="278" r:id="rId7"/>
-    <p:sldId id="281" r:id="rId8"/>
+    <p:sldId id="282" r:id="rId8"/>
+    <p:sldId id="281" r:id="rId9"/>
   </p:sldIdLst>
   <p:sldSz cx="12192000" cy="6858000"/>
   <p:notesSz cx="6858000" cy="9144000"/>
@@ -159,6 +160,14 @@
 <p188:authorLst xmlns:a="http://schemas.openxmlformats.org/drawingml/2006/main" xmlns:r="http://schemas.openxmlformats.org/officeDocument/2006/relationships" xmlns:p188="http://schemas.microsoft.com/office/powerpoint/2018/8/main">
   <p188:author id="{00000000-0000-0000-0000-000000000000}" name="Author" initials="A" userId="Author" providerId="AD"/>
 </p188:authorLst>
+</file>
+
+<file path=ppt/revisionInfo.xml><?xml version="1.0" encoding="utf-8"?>
+<p1510:revInfo xmlns:a="http://schemas.openxmlformats.org/drawingml/2006/main" xmlns:r="http://schemas.openxmlformats.org/officeDocument/2006/relationships" xmlns:p1510="http://schemas.microsoft.com/office/powerpoint/2015/10/main">
+  <p1510:revLst>
+    <p1510:client id="{79CF48FA-B09E-4C1C-B4E0-07B1D5CCA614}" v="1" dt="2024-11-03T14:11:53.223"/>
+  </p1510:revLst>
+</p1510:revInfo>
 </file>
 
 <file path=ppt/handoutMasters/handoutMaster1.xml><?xml version="1.0" encoding="utf-8"?>
@@ -976,6 +985,115 @@
   <p:cSld>
     <p:spTree>
       <p:nvGrpSpPr>
+        <p:cNvPr id="1" name="">
+          <a:extLst>
+            <a:ext uri="{FF2B5EF4-FFF2-40B4-BE49-F238E27FC236}">
+              <a16:creationId xmlns:a16="http://schemas.microsoft.com/office/drawing/2014/main" id="{39F5696C-8212-C941-1F19-5E618271E6E2}"/>
+            </a:ext>
+          </a:extLst>
+        </p:cNvPr>
+        <p:cNvGrpSpPr/>
+        <p:nvPr/>
+      </p:nvGrpSpPr>
+      <p:grpSpPr>
+        <a:xfrm>
+          <a:off x="0" y="0"/>
+          <a:ext cx="0" cy="0"/>
+          <a:chOff x="0" y="0"/>
+          <a:chExt cx="0" cy="0"/>
+        </a:xfrm>
+      </p:grpSpPr>
+      <p:sp>
+        <p:nvSpPr>
+          <p:cNvPr id="2" name="Slide Image Placeholder 1">
+            <a:extLst>
+              <a:ext uri="{FF2B5EF4-FFF2-40B4-BE49-F238E27FC236}">
+                <a16:creationId xmlns:a16="http://schemas.microsoft.com/office/drawing/2014/main" id="{ED90FF5F-C39A-1984-25BF-CF06478209C9}"/>
+              </a:ext>
+            </a:extLst>
+          </p:cNvPr>
+          <p:cNvSpPr>
+            <a:spLocks noGrp="1" noRot="1" noChangeAspect="1"/>
+          </p:cNvSpPr>
+          <p:nvPr>
+            <p:ph type="sldImg"/>
+          </p:nvPr>
+        </p:nvSpPr>
+        <p:spPr/>
+      </p:sp>
+      <p:sp>
+        <p:nvSpPr>
+          <p:cNvPr id="3" name="Notes Placeholder 2">
+            <a:extLst>
+              <a:ext uri="{FF2B5EF4-FFF2-40B4-BE49-F238E27FC236}">
+                <a16:creationId xmlns:a16="http://schemas.microsoft.com/office/drawing/2014/main" id="{03B25119-3E9A-0478-D174-613F14FEF0A8}"/>
+              </a:ext>
+            </a:extLst>
+          </p:cNvPr>
+          <p:cNvSpPr>
+            <a:spLocks noGrp="1"/>
+          </p:cNvSpPr>
+          <p:nvPr>
+            <p:ph type="body" idx="1"/>
+          </p:nvPr>
+        </p:nvSpPr>
+        <p:spPr/>
+        <p:txBody>
+          <a:bodyPr/>
+          <a:lstStyle/>
+          <a:p>
+            <a:endParaRPr lang="en-GB"/>
+          </a:p>
+        </p:txBody>
+      </p:sp>
+      <p:sp>
+        <p:nvSpPr>
+          <p:cNvPr id="4" name="Slide Number Placeholder 3">
+            <a:extLst>
+              <a:ext uri="{FF2B5EF4-FFF2-40B4-BE49-F238E27FC236}">
+                <a16:creationId xmlns:a16="http://schemas.microsoft.com/office/drawing/2014/main" id="{D5762D1E-2189-EBEC-7AB9-BC512368D086}"/>
+              </a:ext>
+            </a:extLst>
+          </p:cNvPr>
+          <p:cNvSpPr>
+            <a:spLocks noGrp="1"/>
+          </p:cNvSpPr>
+          <p:nvPr>
+            <p:ph type="sldNum" sz="quarter" idx="5"/>
+          </p:nvPr>
+        </p:nvSpPr>
+        <p:spPr/>
+        <p:txBody>
+          <a:bodyPr/>
+          <a:lstStyle/>
+          <a:p>
+            <a:pPr rtl="0"/>
+            <a:fld id="{7C366290-4595-5745-A50F-D5EC13BAC604}" type="slidenum">
+              <a:rPr lang="en-GB" smtClean="0"/>
+              <a:t>4</a:t>
+            </a:fld>
+            <a:endParaRPr lang="en-GB"/>
+          </a:p>
+        </p:txBody>
+      </p:sp>
+    </p:spTree>
+    <p:extLst>
+      <p:ext uri="{BB962C8B-B14F-4D97-AF65-F5344CB8AC3E}">
+        <p14:creationId xmlns:p14="http://schemas.microsoft.com/office/powerpoint/2010/main" val="2151402783"/>
+      </p:ext>
+    </p:extLst>
+  </p:cSld>
+  <p:clrMapOvr>
+    <a:masterClrMapping/>
+  </p:clrMapOvr>
+</p:notes>
+</file>
+
+<file path=ppt/notesSlides/notesSlide5.xml><?xml version="1.0" encoding="utf-8"?>
+<p:notes xmlns:a="http://schemas.openxmlformats.org/drawingml/2006/main" xmlns:r="http://schemas.openxmlformats.org/officeDocument/2006/relationships" xmlns:p="http://schemas.openxmlformats.org/presentationml/2006/main">
+  <p:cSld>
+    <p:spTree>
+      <p:nvGrpSpPr>
         <p:cNvPr id="1" name=""/>
         <p:cNvGrpSpPr/>
         <p:nvPr/>
@@ -1037,7 +1155,7 @@
             <a:pPr rtl="0"/>
             <a:fld id="{7C366290-4595-5745-A50F-D5EC13BAC604}" type="slidenum">
               <a:rPr lang="en-GB" smtClean="0"/>
-              <a:t>4</a:t>
+              <a:t>5</a:t>
             </a:fld>
             <a:endParaRPr lang="en-GB"/>
           </a:p>
@@ -41030,7 +41148,15 @@
             <a:pPr rtl="0"/>
             <a:r>
               <a:rPr lang="it-IT" dirty="0"/>
-              <a:t>Leicester Accomodation Reviwews</a:t>
+              <a:t>Leicester </a:t>
+            </a:r>
+            <a:r>
+              <a:rPr lang="it-IT" dirty="0" err="1"/>
+              <a:t>Accomodation</a:t>
+            </a:r>
+            <a:r>
+              <a:rPr lang="it-IT" dirty="0"/>
+              <a:t> Reviews</a:t>
             </a:r>
             <a:endParaRPr lang="en-GB" dirty="0"/>
           </a:p>
@@ -41407,6 +41533,251 @@
 </file>
 
 <file path=ppt/slides/slide4.xml><?xml version="1.0" encoding="utf-8"?>
+<p:sld xmlns:a="http://schemas.openxmlformats.org/drawingml/2006/main" xmlns:r="http://schemas.openxmlformats.org/officeDocument/2006/relationships" xmlns:p="http://schemas.openxmlformats.org/presentationml/2006/main">
+  <p:cSld>
+    <p:spTree>
+      <p:nvGrpSpPr>
+        <p:cNvPr id="1" name="">
+          <a:extLst>
+            <a:ext uri="{FF2B5EF4-FFF2-40B4-BE49-F238E27FC236}">
+              <a16:creationId xmlns:a16="http://schemas.microsoft.com/office/drawing/2014/main" id="{CBC339AD-9CF5-561B-46FC-DE977298F2C1}"/>
+            </a:ext>
+          </a:extLst>
+        </p:cNvPr>
+        <p:cNvGrpSpPr/>
+        <p:nvPr/>
+      </p:nvGrpSpPr>
+      <p:grpSpPr>
+        <a:xfrm>
+          <a:off x="0" y="0"/>
+          <a:ext cx="0" cy="0"/>
+          <a:chOff x="0" y="0"/>
+          <a:chExt cx="0" cy="0"/>
+        </a:xfrm>
+      </p:grpSpPr>
+      <p:sp>
+        <p:nvSpPr>
+          <p:cNvPr id="26" name="Title 25">
+            <a:extLst>
+              <a:ext uri="{FF2B5EF4-FFF2-40B4-BE49-F238E27FC236}">
+                <a16:creationId xmlns:a16="http://schemas.microsoft.com/office/drawing/2014/main" id="{2AEAE73D-2EA2-9420-F5C3-B397E8F219B7}"/>
+              </a:ext>
+            </a:extLst>
+          </p:cNvPr>
+          <p:cNvSpPr>
+            <a:spLocks noGrp="1"/>
+          </p:cNvSpPr>
+          <p:nvPr>
+            <p:ph type="title"/>
+          </p:nvPr>
+        </p:nvSpPr>
+        <p:spPr/>
+        <p:txBody>
+          <a:bodyPr rtlCol="0"/>
+          <a:lstStyle>
+            <a:defPPr>
+              <a:defRPr lang="en-GB"/>
+            </a:defPPr>
+          </a:lstStyle>
+          <a:p>
+            <a:pPr rtl="0"/>
+            <a:r>
+              <a:rPr lang="it-IT" dirty="0" err="1"/>
+              <a:t>Improvements</a:t>
+            </a:r>
+            <a:r>
+              <a:rPr lang="it-IT" dirty="0"/>
+              <a:t>:</a:t>
+            </a:r>
+            <a:endParaRPr lang="en-GB" dirty="0"/>
+          </a:p>
+        </p:txBody>
+      </p:sp>
+      <p:sp>
+        <p:nvSpPr>
+          <p:cNvPr id="27" name="Text Placeholder 26">
+            <a:extLst>
+              <a:ext uri="{FF2B5EF4-FFF2-40B4-BE49-F238E27FC236}">
+                <a16:creationId xmlns:a16="http://schemas.microsoft.com/office/drawing/2014/main" id="{A48C0CFC-21E0-8EDA-D87F-4C4432433410}"/>
+              </a:ext>
+            </a:extLst>
+          </p:cNvPr>
+          <p:cNvSpPr>
+            <a:spLocks noGrp="1"/>
+          </p:cNvSpPr>
+          <p:nvPr>
+            <p:ph type="body" sz="half" idx="2"/>
+          </p:nvPr>
+        </p:nvSpPr>
+        <p:spPr>
+          <a:xfrm>
+            <a:off x="576071" y="2055875"/>
+            <a:ext cx="4483609" cy="2278889"/>
+          </a:xfrm>
+        </p:spPr>
+        <p:txBody>
+          <a:bodyPr rtlCol="0">
+            <a:normAutofit/>
+          </a:bodyPr>
+          <a:lstStyle>
+            <a:defPPr>
+              <a:defRPr lang="en-GB"/>
+            </a:defPPr>
+          </a:lstStyle>
+          <a:p>
+            <a:pPr marL="342900" indent="-342900" rtl="0">
+              <a:buFont typeface="Arial" panose="020B0604020202020204" pitchFamily="34" charset="0"/>
+              <a:buChar char="•"/>
+            </a:pPr>
+            <a:r>
+              <a:rPr lang="it-IT" sz="2000" dirty="0"/>
+              <a:t>With more time, </a:t>
+            </a:r>
+            <a:r>
+              <a:rPr lang="it-IT" sz="2000" dirty="0" err="1"/>
+              <a:t>we</a:t>
+            </a:r>
+            <a:r>
+              <a:rPr lang="it-IT" sz="2000" dirty="0"/>
+              <a:t> </a:t>
+            </a:r>
+            <a:r>
+              <a:rPr lang="it-IT" sz="2000" dirty="0" err="1"/>
+              <a:t>may</a:t>
+            </a:r>
+            <a:r>
+              <a:rPr lang="it-IT" sz="2000" dirty="0"/>
+              <a:t> be </a:t>
+            </a:r>
+            <a:r>
+              <a:rPr lang="it-IT" sz="2000" dirty="0" err="1"/>
+              <a:t>be</a:t>
+            </a:r>
+            <a:r>
+              <a:rPr lang="it-IT" sz="2000" dirty="0"/>
+              <a:t> </a:t>
+            </a:r>
+            <a:r>
+              <a:rPr lang="it-IT" sz="2000" dirty="0" err="1"/>
+              <a:t>able</a:t>
+            </a:r>
+            <a:r>
+              <a:rPr lang="it-IT" sz="2000" dirty="0"/>
+              <a:t> to </a:t>
+            </a:r>
+            <a:r>
+              <a:rPr lang="it-IT" sz="2000" dirty="0" err="1"/>
+              <a:t>improve</a:t>
+            </a:r>
+            <a:r>
+              <a:rPr lang="it-IT" sz="2000" dirty="0"/>
+              <a:t> the </a:t>
+            </a:r>
+            <a:r>
+              <a:rPr lang="it-IT" sz="2000" dirty="0" err="1"/>
+              <a:t>aesthetics</a:t>
+            </a:r>
+            <a:r>
+              <a:rPr lang="it-IT" sz="2000" dirty="0"/>
+              <a:t> and </a:t>
+            </a:r>
+            <a:r>
+              <a:rPr lang="it-IT" sz="2000" dirty="0" err="1"/>
+              <a:t>functionality</a:t>
+            </a:r>
+            <a:r>
+              <a:rPr lang="it-IT" sz="2000" dirty="0"/>
+              <a:t> of the website</a:t>
+            </a:r>
+          </a:p>
+          <a:p>
+            <a:pPr marL="342900" indent="-342900" rtl="0">
+              <a:buFont typeface="Arial" panose="020B0604020202020204" pitchFamily="34" charset="0"/>
+              <a:buChar char="•"/>
+            </a:pPr>
+            <a:r>
+              <a:rPr lang="it-IT" sz="2000" dirty="0" err="1"/>
+              <a:t>May</a:t>
+            </a:r>
+            <a:r>
+              <a:rPr lang="it-IT" sz="2000" dirty="0"/>
+              <a:t> </a:t>
+            </a:r>
+            <a:r>
+              <a:rPr lang="it-IT" sz="2000" dirty="0" err="1"/>
+              <a:t>expand</a:t>
+            </a:r>
+            <a:r>
+              <a:rPr lang="it-IT" sz="2000" dirty="0"/>
+              <a:t> </a:t>
+            </a:r>
+            <a:r>
+              <a:rPr lang="it-IT" sz="2000" dirty="0" err="1"/>
+              <a:t>it</a:t>
+            </a:r>
+            <a:r>
+              <a:rPr lang="it-IT" sz="2000" dirty="0"/>
+              <a:t> to include private </a:t>
+            </a:r>
+            <a:r>
+              <a:rPr lang="it-IT" sz="2000" dirty="0" err="1"/>
+              <a:t>accommodations</a:t>
+            </a:r>
+            <a:r>
+              <a:rPr lang="it-IT" sz="2000" dirty="0"/>
+              <a:t> </a:t>
+            </a:r>
+            <a:r>
+              <a:rPr lang="it-IT" sz="2000" dirty="0" err="1"/>
+              <a:t>outside</a:t>
+            </a:r>
+            <a:r>
+              <a:rPr lang="it-IT" sz="2000" dirty="0"/>
+              <a:t> of University of Leicester</a:t>
+            </a:r>
+            <a:endParaRPr lang="en-GB" sz="2000" dirty="0"/>
+          </a:p>
+        </p:txBody>
+      </p:sp>
+      <p:pic>
+        <p:nvPicPr>
+          <p:cNvPr id="8" name="Picture Placeholder 7" descr="A bedroom with a bed and a kitchen&#10;&#10;Description automatically generated">
+            <a:extLst>
+              <a:ext uri="{FF2B5EF4-FFF2-40B4-BE49-F238E27FC236}">
+                <a16:creationId xmlns:a16="http://schemas.microsoft.com/office/drawing/2014/main" id="{FAFE3F93-5ED4-037E-6299-B0AD1B365DA6}"/>
+              </a:ext>
+            </a:extLst>
+          </p:cNvPr>
+          <p:cNvPicPr>
+            <a:picLocks noGrp="1" noChangeAspect="1"/>
+          </p:cNvPicPr>
+          <p:nvPr>
+            <p:ph type="pic" idx="1"/>
+          </p:nvPr>
+        </p:nvPicPr>
+        <p:blipFill>
+          <a:blip r:embed="rId3"/>
+          <a:srcRect l="29546" r="29546"/>
+          <a:stretch>
+            <a:fillRect/>
+          </a:stretch>
+        </p:blipFill>
+        <p:spPr/>
+      </p:pic>
+    </p:spTree>
+    <p:extLst>
+      <p:ext uri="{BB962C8B-B14F-4D97-AF65-F5344CB8AC3E}">
+        <p14:creationId xmlns:p14="http://schemas.microsoft.com/office/powerpoint/2010/main" val="2151636325"/>
+      </p:ext>
+    </p:extLst>
+  </p:cSld>
+  <p:clrMapOvr>
+    <a:masterClrMapping/>
+  </p:clrMapOvr>
+</p:sld>
+</file>
+
+<file path=ppt/slides/slide5.xml><?xml version="1.0" encoding="utf-8"?>
 <p:sld xmlns:a="http://schemas.openxmlformats.org/drawingml/2006/main" xmlns:r="http://schemas.openxmlformats.org/officeDocument/2006/relationships" xmlns:p="http://schemas.openxmlformats.org/presentationml/2006/main">
   <p:cSld>
     <p:spTree>
@@ -42506,16 +42877,16 @@
 <file path=customXml/itemProps3.xml><?xml version="1.0" encoding="utf-8"?>
 <ds:datastoreItem xmlns:ds="http://schemas.openxmlformats.org/officeDocument/2006/customXml" ds:itemID="{24773E69-7826-43F3-BDB9-71719A6E4C7F}">
   <ds:schemaRefs>
+    <ds:schemaRef ds:uri="http://purl.org/dc/elements/1.1/"/>
+    <ds:schemaRef ds:uri="http://www.w3.org/XML/1998/namespace"/>
+    <ds:schemaRef ds:uri="http://schemas.microsoft.com/office/2006/documentManagement/types"/>
+    <ds:schemaRef ds:uri="http://purl.org/dc/dcmitype/"/>
+    <ds:schemaRef ds:uri="http://schemas.openxmlformats.org/package/2006/metadata/core-properties"/>
+    <ds:schemaRef ds:uri="http://purl.org/dc/terms/"/>
+    <ds:schemaRef ds:uri="http://schemas.microsoft.com/office/infopath/2007/PartnerControls"/>
+    <ds:schemaRef ds:uri="a550ed94-58b4-484f-b18a-f443fc999529"/>
     <ds:schemaRef ds:uri="f2f0648d-ca38-493f-a0a9-eeaa832e2c5f"/>
-    <ds:schemaRef ds:uri="http://schemas.microsoft.com/office/2006/documentManagement/types"/>
-    <ds:schemaRef ds:uri="http://purl.org/dc/elements/1.1/"/>
-    <ds:schemaRef ds:uri="a550ed94-58b4-484f-b18a-f443fc999529"/>
-    <ds:schemaRef ds:uri="http://purl.org/dc/dcmitype/"/>
-    <ds:schemaRef ds:uri="http://www.w3.org/XML/1998/namespace"/>
-    <ds:schemaRef ds:uri="http://schemas.microsoft.com/office/infopath/2007/PartnerControls"/>
-    <ds:schemaRef ds:uri="http://schemas.openxmlformats.org/package/2006/metadata/core-properties"/>
     <ds:schemaRef ds:uri="http://schemas.microsoft.com/office/2006/metadata/properties"/>
-    <ds:schemaRef ds:uri="http://purl.org/dc/terms/"/>
   </ds:schemaRefs>
 </ds:datastoreItem>
 </file>
